--- a/Week-12/Cloud-Computing.pptx
+++ b/Week-12/Cloud-Computing.pptx
@@ -266,7 +266,7 @@
             <a:fld id="{25168A0F-649F-4C97-B40A-0C44105BD79B}" type="datetimeFigureOut">
               <a:rPr lang="en-US" smtClean="0"/>
               <a:pPr/>
-              <a:t>8/7/2025</a:t>
+              <a:t>8/8/2025</a:t>
             </a:fld>
             <a:endParaRPr lang="en-US"/>
           </a:p>
@@ -820,7 +820,7 @@
           <a:p>
             <a:fld id="{5E87FE23-C7C5-4F96-B654-F6B973D22B74}" type="datetime1">
               <a:rPr lang="en-US" smtClean="0"/>
-              <a:t>8/7/2025</a:t>
+              <a:t>8/8/2025</a:t>
             </a:fld>
             <a:endParaRPr lang="en-US"/>
           </a:p>
@@ -1014,7 +1014,7 @@
           <a:p>
             <a:fld id="{0FC2EDB8-FBDD-42E5-9E0C-AF1443B74B54}" type="datetime1">
               <a:rPr lang="en-US" smtClean="0"/>
-              <a:t>8/7/2025</a:t>
+              <a:t>8/8/2025</a:t>
             </a:fld>
             <a:endParaRPr lang="en-US"/>
           </a:p>
@@ -1197,7 +1197,7 @@
           <a:p>
             <a:fld id="{00144DFA-1477-40D1-B686-1201EE9BCF4E}" type="datetime1">
               <a:rPr lang="en-US" smtClean="0"/>
-              <a:t>8/7/2025</a:t>
+              <a:t>8/8/2025</a:t>
             </a:fld>
             <a:endParaRPr lang="en-US"/>
           </a:p>
@@ -1463,7 +1463,7 @@
           <a:p>
             <a:fld id="{4FD219A8-EA00-423D-92C8-232E7118601A}" type="datetime1">
               <a:rPr lang="en-US" smtClean="0"/>
-              <a:t>8/7/2025</a:t>
+              <a:t>8/8/2025</a:t>
             </a:fld>
             <a:endParaRPr lang="en-US"/>
           </a:p>
@@ -1877,7 +1877,7 @@
           <a:p>
             <a:fld id="{C267ABC6-55AA-4C60-BF08-0DEB1B7C034D}" type="datetime1">
               <a:rPr lang="en-US" smtClean="0"/>
-              <a:t>8/7/2025</a:t>
+              <a:t>8/8/2025</a:t>
             </a:fld>
             <a:endParaRPr lang="en-US"/>
           </a:p>
@@ -2122,7 +2122,7 @@
           <a:p>
             <a:fld id="{6CF42CD3-CAC1-494A-93CF-DEE3E5401E16}" type="datetime1">
               <a:rPr lang="en-US" smtClean="0"/>
-              <a:t>8/7/2025</a:t>
+              <a:t>8/8/2025</a:t>
             </a:fld>
             <a:endParaRPr lang="en-US"/>
           </a:p>
@@ -2361,7 +2361,7 @@
           <a:p>
             <a:fld id="{1E4227D9-E59E-4DA9-99CF-C31C2EEBBDF2}" type="datetime1">
               <a:rPr lang="en-US" smtClean="0"/>
-              <a:t>8/7/2025</a:t>
+              <a:t>8/8/2025</a:t>
             </a:fld>
             <a:endParaRPr lang="en-US"/>
           </a:p>
@@ -2559,7 +2559,7 @@
           <a:p>
             <a:fld id="{5B1710FB-153D-42A4-A8E7-1A2BF012EB81}" type="datetime1">
               <a:rPr lang="en-US" smtClean="0"/>
-              <a:t>8/7/2025</a:t>
+              <a:t>8/8/2025</a:t>
             </a:fld>
             <a:endParaRPr lang="en-US"/>
           </a:p>
@@ -2661,7 +2661,7 @@
           <a:p>
             <a:fld id="{D7188B3C-9026-4319-92B4-C0B705AC2AC4}" type="datetime1">
               <a:rPr lang="en-US" smtClean="0"/>
-              <a:t>8/7/2025</a:t>
+              <a:t>8/8/2025</a:t>
             </a:fld>
             <a:endParaRPr lang="en-US"/>
           </a:p>
@@ -2800,7 +2800,7 @@
           <a:p>
             <a:fld id="{083ADA78-F797-47F7-BBEB-5670ACFDD23C}" type="datetime1">
               <a:rPr lang="en-US" smtClean="0"/>
-              <a:t>8/7/2025</a:t>
+              <a:t>8/8/2025</a:t>
             </a:fld>
             <a:endParaRPr lang="en-US"/>
           </a:p>
@@ -3316,7 +3316,7 @@
           <a:p>
             <a:fld id="{9F87E733-0E9E-4140-A412-D599FA34A6FF}" type="datetime1">
               <a:rPr lang="en-US" smtClean="0"/>
-              <a:t>8/7/2025</a:t>
+              <a:t>8/8/2025</a:t>
             </a:fld>
             <a:endParaRPr lang="en-US"/>
           </a:p>
@@ -3609,7 +3609,7 @@
           <a:p>
             <a:fld id="{5C1D322B-443C-4303-AA17-7F5A2BD7BACF}" type="datetime1">
               <a:rPr lang="en-US" smtClean="0"/>
-              <a:t>8/7/2025</a:t>
+              <a:t>8/8/2025</a:t>
             </a:fld>
             <a:endParaRPr lang="en-US"/>
           </a:p>
@@ -9415,7 +9415,7 @@
           <a:p>
             <a:r>
               <a:rPr lang="en-US" sz="2000" dirty="0"/>
-              <a:t>Real Companies Using AWS: </a:t>
+              <a:t>Real Companies Using Azure: </a:t>
             </a:r>
             <a:r>
               <a:rPr lang="en-US" sz="2000" b="1" dirty="0"/>
@@ -9666,7 +9666,7 @@
           <a:p>
             <a:r>
               <a:rPr lang="en-US" sz="2000" dirty="0"/>
-              <a:t>Real Companies Using AWS: </a:t>
+              <a:t>Real Companies Using GCP: </a:t>
             </a:r>
             <a:r>
               <a:rPr lang="en-US" sz="2000" b="1" dirty="0"/>
